--- a/Slides/2023-ML@MGI-Week03-imp.pptx
+++ b/Slides/2023-ML@MGI-Week03-imp.pptx
@@ -219,7 +219,7 @@
           <a:p>
             <a:fld id="{A2E499DD-D9CC-495D-8DD1-1E0F204A1447}" type="datetimeFigureOut">
               <a:rPr lang="zh-TW" altLang="en-US" smtClean="0"/>
-              <a:t>2024/3/4</a:t>
+              <a:t>2024/3/12</a:t>
             </a:fld>
             <a:endParaRPr lang="zh-TW" altLang="en-US"/>
           </a:p>
@@ -712,7 +712,7 @@
           <a:p>
             <a:fld id="{FBC7EFBB-83E2-4C06-ACDF-D4EB13AA3FCC}" type="datetimeFigureOut">
               <a:rPr lang="zh-TW" altLang="en-US" smtClean="0"/>
-              <a:t>2024/3/4</a:t>
+              <a:t>2024/3/12</a:t>
             </a:fld>
             <a:endParaRPr lang="zh-TW" altLang="en-US"/>
           </a:p>
@@ -920,7 +920,7 @@
           <a:p>
             <a:fld id="{FBC7EFBB-83E2-4C06-ACDF-D4EB13AA3FCC}" type="datetimeFigureOut">
               <a:rPr lang="zh-TW" altLang="en-US" smtClean="0"/>
-              <a:t>2024/3/4</a:t>
+              <a:t>2024/3/12</a:t>
             </a:fld>
             <a:endParaRPr lang="zh-TW" altLang="en-US"/>
           </a:p>
@@ -1176,7 +1176,7 @@
           <a:p>
             <a:fld id="{FBC7EFBB-83E2-4C06-ACDF-D4EB13AA3FCC}" type="datetimeFigureOut">
               <a:rPr lang="zh-TW" altLang="en-US" smtClean="0"/>
-              <a:t>2024/3/4</a:t>
+              <a:t>2024/3/12</a:t>
             </a:fld>
             <a:endParaRPr lang="zh-TW" altLang="en-US"/>
           </a:p>
@@ -1464,7 +1464,7 @@
             <a:fld id="{7B4261D0-AE2D-4982-BAF5-FD08BB2711FF}" type="datetime1">
               <a:rPr lang="zh-TW" altLang="en-US" smtClean="0"/>
               <a:pPr/>
-              <a:t>2024/3/4</a:t>
+              <a:t>2024/3/12</a:t>
             </a:fld>
             <a:endParaRPr lang="zh-TW" altLang="en-US"/>
           </a:p>
@@ -1701,7 +1701,7 @@
             <a:fld id="{1DC39807-42D1-4E23-92ED-E7E09A17E597}" type="datetime1">
               <a:rPr lang="zh-TW" altLang="en-US" smtClean="0"/>
               <a:pPr/>
-              <a:t>2024/3/4</a:t>
+              <a:t>2024/3/12</a:t>
             </a:fld>
             <a:endParaRPr lang="zh-TW" altLang="en-US"/>
           </a:p>
@@ -2046,7 +2046,7 @@
             <a:fld id="{8620F422-7F30-4F45-8E79-CADD1DFB61F8}" type="datetime1">
               <a:rPr lang="zh-TW" altLang="en-US" smtClean="0"/>
               <a:pPr/>
-              <a:t>2024/3/4</a:t>
+              <a:t>2024/3/12</a:t>
             </a:fld>
             <a:endParaRPr lang="zh-TW" altLang="en-US"/>
           </a:p>
@@ -2323,7 +2323,7 @@
             <a:fld id="{5C0FE38A-D3CC-4D28-9283-8DADF087B02F}" type="datetime1">
               <a:rPr lang="zh-TW" altLang="en-US" smtClean="0"/>
               <a:pPr/>
-              <a:t>2024/3/4</a:t>
+              <a:t>2024/3/12</a:t>
             </a:fld>
             <a:endParaRPr lang="zh-TW" altLang="en-US"/>
           </a:p>
@@ -2704,7 +2704,7 @@
             <a:fld id="{E50A56E3-8592-4CA5-B601-832B73264E1F}" type="datetime1">
               <a:rPr lang="zh-TW" altLang="en-US" smtClean="0"/>
               <a:pPr/>
-              <a:t>2024/3/4</a:t>
+              <a:t>2024/3/12</a:t>
             </a:fld>
             <a:endParaRPr lang="zh-TW" altLang="en-US"/>
           </a:p>
@@ -2828,7 +2828,7 @@
             <a:fld id="{C65A1636-741F-4EAB-B72E-8D557C7541F2}" type="datetime1">
               <a:rPr lang="zh-TW" altLang="en-US" smtClean="0"/>
               <a:pPr/>
-              <a:t>2024/3/4</a:t>
+              <a:t>2024/3/12</a:t>
             </a:fld>
             <a:endParaRPr lang="zh-TW" altLang="en-US"/>
           </a:p>
@@ -3001,7 +3001,7 @@
             <a:fld id="{E1C93802-67A3-4023-8B76-3A941250BF02}" type="datetime1">
               <a:rPr lang="zh-TW" altLang="en-US" smtClean="0"/>
               <a:pPr/>
-              <a:t>2024/3/4</a:t>
+              <a:t>2024/3/12</a:t>
             </a:fld>
             <a:endParaRPr lang="zh-TW" altLang="en-US"/>
           </a:p>
@@ -3357,7 +3357,7 @@
             <a:fld id="{93A19B92-7C6D-453B-8DC0-E157D367B56B}" type="datetime1">
               <a:rPr lang="zh-TW" altLang="en-US" smtClean="0"/>
               <a:pPr/>
-              <a:t>2024/3/4</a:t>
+              <a:t>2024/3/12</a:t>
             </a:fld>
             <a:endParaRPr lang="zh-TW" altLang="en-US"/>
           </a:p>
@@ -3561,7 +3561,7 @@
           <a:p>
             <a:fld id="{FBC7EFBB-83E2-4C06-ACDF-D4EB13AA3FCC}" type="datetimeFigureOut">
               <a:rPr lang="zh-TW" altLang="en-US" smtClean="0"/>
-              <a:t>2024/3/4</a:t>
+              <a:t>2024/3/12</a:t>
             </a:fld>
             <a:endParaRPr lang="zh-TW" altLang="en-US"/>
           </a:p>
@@ -3918,7 +3918,7 @@
             <a:fld id="{A77D90AC-9B70-42AF-8B26-B6CE04DF79EC}" type="datetime1">
               <a:rPr lang="zh-TW" altLang="en-US" smtClean="0"/>
               <a:pPr/>
-              <a:t>2024/3/4</a:t>
+              <a:t>2024/3/12</a:t>
             </a:fld>
             <a:endParaRPr lang="zh-TW" altLang="en-US"/>
           </a:p>
@@ -4090,7 +4090,7 @@
             <a:fld id="{B2487A89-8B58-4EF7-877B-BA4BAE0C6B1B}" type="datetime1">
               <a:rPr lang="zh-TW" altLang="en-US" smtClean="0"/>
               <a:pPr/>
-              <a:t>2024/3/4</a:t>
+              <a:t>2024/3/12</a:t>
             </a:fld>
             <a:endParaRPr lang="zh-TW" altLang="en-US"/>
           </a:p>
@@ -4348,7 +4348,7 @@
             <a:fld id="{8A342AF9-0023-4F01-8275-5113CF844323}" type="datetime1">
               <a:rPr lang="zh-TW" altLang="en-US" smtClean="0"/>
               <a:pPr/>
-              <a:t>2024/3/4</a:t>
+              <a:t>2024/3/12</a:t>
             </a:fld>
             <a:endParaRPr lang="zh-TW" altLang="en-US"/>
           </a:p>
@@ -5051,7 +5051,7 @@
           <a:p>
             <a:fld id="{FBC7EFBB-83E2-4C06-ACDF-D4EB13AA3FCC}" type="datetimeFigureOut">
               <a:rPr lang="zh-TW" altLang="en-US" smtClean="0"/>
-              <a:t>2024/3/4</a:t>
+              <a:t>2024/3/12</a:t>
             </a:fld>
             <a:endParaRPr lang="zh-TW" altLang="en-US"/>
           </a:p>
@@ -5326,7 +5326,7 @@
           <a:p>
             <a:fld id="{FBC7EFBB-83E2-4C06-ACDF-D4EB13AA3FCC}" type="datetimeFigureOut">
               <a:rPr lang="zh-TW" altLang="en-US" smtClean="0"/>
-              <a:t>2024/3/4</a:t>
+              <a:t>2024/3/12</a:t>
             </a:fld>
             <a:endParaRPr lang="zh-TW" altLang="en-US"/>
           </a:p>
@@ -5705,7 +5705,7 @@
           <a:p>
             <a:fld id="{FBC7EFBB-83E2-4C06-ACDF-D4EB13AA3FCC}" type="datetimeFigureOut">
               <a:rPr lang="zh-TW" altLang="en-US" smtClean="0"/>
-              <a:t>2024/3/4</a:t>
+              <a:t>2024/3/12</a:t>
             </a:fld>
             <a:endParaRPr lang="zh-TW" altLang="en-US"/>
           </a:p>
@@ -5823,7 +5823,7 @@
           <a:p>
             <a:fld id="{FBC7EFBB-83E2-4C06-ACDF-D4EB13AA3FCC}" type="datetimeFigureOut">
               <a:rPr lang="zh-TW" altLang="en-US" smtClean="0"/>
-              <a:t>2024/3/4</a:t>
+              <a:t>2024/3/12</a:t>
             </a:fld>
             <a:endParaRPr lang="zh-TW" altLang="en-US"/>
           </a:p>
@@ -5994,7 +5994,7 @@
           <a:p>
             <a:fld id="{FBC7EFBB-83E2-4C06-ACDF-D4EB13AA3FCC}" type="datetimeFigureOut">
               <a:rPr lang="zh-TW" altLang="en-US" smtClean="0"/>
-              <a:t>2024/3/4</a:t>
+              <a:t>2024/3/12</a:t>
             </a:fld>
             <a:endParaRPr lang="zh-TW" altLang="en-US"/>
           </a:p>
@@ -6348,7 +6348,7 @@
           <a:p>
             <a:fld id="{FBC7EFBB-83E2-4C06-ACDF-D4EB13AA3FCC}" type="datetimeFigureOut">
               <a:rPr lang="zh-TW" altLang="en-US" smtClean="0"/>
-              <a:t>2024/3/4</a:t>
+              <a:t>2024/3/12</a:t>
             </a:fld>
             <a:endParaRPr lang="zh-TW" altLang="en-US"/>
           </a:p>
@@ -6725,7 +6725,7 @@
           <a:p>
             <a:fld id="{FBC7EFBB-83E2-4C06-ACDF-D4EB13AA3FCC}" type="datetimeFigureOut">
               <a:rPr lang="zh-TW" altLang="en-US" smtClean="0"/>
-              <a:t>2024/3/4</a:t>
+              <a:t>2024/3/12</a:t>
             </a:fld>
             <a:endParaRPr lang="zh-TW" altLang="en-US"/>
           </a:p>
@@ -7012,7 +7012,7 @@
           <a:p>
             <a:fld id="{FBC7EFBB-83E2-4C06-ACDF-D4EB13AA3FCC}" type="datetimeFigureOut">
               <a:rPr lang="zh-TW" altLang="en-US" smtClean="0"/>
-              <a:t>2024/3/4</a:t>
+              <a:t>2024/3/12</a:t>
             </a:fld>
             <a:endParaRPr lang="zh-TW" altLang="en-US"/>
           </a:p>
@@ -7746,7 +7746,7 @@
             <a:fld id="{B018CCC3-3467-450F-A362-EF42663A9C55}" type="datetime1">
               <a:rPr lang="zh-TW" altLang="en-US" smtClean="0"/>
               <a:pPr/>
-              <a:t>2024/3/4</a:t>
+              <a:t>2024/3/12</a:t>
             </a:fld>
             <a:endParaRPr lang="zh-TW" altLang="en-US"/>
           </a:p>
@@ -8412,7 +8412,22 @@
                 <a:cs typeface="Calibri" panose="020F0502020204030204" pitchFamily="34" charset="0"/>
                 <a:hlinkClick r:id="rId3"/>
               </a:rPr>
-              <a:t>wjlee@narlabs.org.tw</a:t>
+              <a:t>wjlee@narlabs.org</a:t>
+            </a:r>
+            <a:r>
+              <a:rPr lang="en-US" altLang="zh-TW" cap="none">
+                <a:latin typeface="Calibri" panose="020F0502020204030204" pitchFamily="34" charset="0"/>
+                <a:cs typeface="Calibri" panose="020F0502020204030204" pitchFamily="34" charset="0"/>
+                <a:hlinkClick r:id="rId3"/>
+              </a:rPr>
+              <a:t>.tw</a:t>
+            </a:r>
+            <a:r>
+              <a:rPr lang="en-US" altLang="zh-TW" cap="none">
+                <a:latin typeface="Calibri" panose="020F0502020204030204" pitchFamily="34" charset="0"/>
+                <a:cs typeface="Calibri" panose="020F0502020204030204" pitchFamily="34" charset="0"/>
+              </a:rPr>
+              <a:t> </a:t>
             </a:r>
             <a:endParaRPr lang="en-US" altLang="zh-TW" cap="none" dirty="0">
               <a:latin typeface="Calibri" panose="020F0502020204030204" pitchFamily="34" charset="0"/>

--- a/Slides/2023-ML@MGI-Week03-imp.pptx
+++ b/Slides/2023-ML@MGI-Week03-imp.pptx
@@ -6,7 +6,7 @@
     <p:sldMasterId id="2147483730" r:id="rId2"/>
   </p:sldMasterIdLst>
   <p:notesMasterIdLst>
-    <p:notesMasterId r:id="rId14"/>
+    <p:notesMasterId r:id="rId15"/>
   </p:notesMasterIdLst>
   <p:sldIdLst>
     <p:sldId id="284" r:id="rId3"/>
@@ -20,6 +20,7 @@
     <p:sldId id="292" r:id="rId11"/>
     <p:sldId id="289" r:id="rId12"/>
     <p:sldId id="290" r:id="rId13"/>
+    <p:sldId id="295" r:id="rId14"/>
   </p:sldIdLst>
   <p:sldSz cx="12192000" cy="6858000"/>
   <p:notesSz cx="6858000" cy="9144000"/>
@@ -8668,6 +8669,464 @@
 </p:sld>
 </file>
 
+<file path=ppt/slides/slide12.xml><?xml version="1.0" encoding="utf-8"?>
+<p:sld xmlns:a="http://schemas.openxmlformats.org/drawingml/2006/main" xmlns:r="http://schemas.openxmlformats.org/officeDocument/2006/relationships" xmlns:p="http://schemas.openxmlformats.org/presentationml/2006/main">
+  <p:cSld>
+    <p:spTree>
+      <p:nvGrpSpPr>
+        <p:cNvPr id="1" name=""/>
+        <p:cNvGrpSpPr/>
+        <p:nvPr/>
+      </p:nvGrpSpPr>
+      <p:grpSpPr>
+        <a:xfrm>
+          <a:off x="0" y="0"/>
+          <a:ext cx="0" cy="0"/>
+          <a:chOff x="0" y="0"/>
+          <a:chExt cx="0" cy="0"/>
+        </a:xfrm>
+      </p:grpSpPr>
+      <p:sp>
+        <p:nvSpPr>
+          <p:cNvPr id="3" name="內容版面配置區 2">
+            <a:extLst>
+              <a:ext uri="{FF2B5EF4-FFF2-40B4-BE49-F238E27FC236}">
+                <a16:creationId xmlns:a16="http://schemas.microsoft.com/office/drawing/2014/main" id="{884632F9-AC2E-4EE3-893E-50D647E2EC8D}"/>
+              </a:ext>
+            </a:extLst>
+          </p:cNvPr>
+          <p:cNvSpPr>
+            <a:spLocks noGrp="1"/>
+          </p:cNvSpPr>
+          <p:nvPr>
+            <p:ph idx="1"/>
+          </p:nvPr>
+        </p:nvSpPr>
+        <p:spPr>
+          <a:xfrm>
+            <a:off x="1066800" y="260125"/>
+            <a:ext cx="10058400" cy="5926665"/>
+          </a:xfrm>
+        </p:spPr>
+        <p:txBody>
+          <a:bodyPr>
+            <a:normAutofit lnSpcReduction="10000"/>
+          </a:bodyPr>
+          <a:lstStyle/>
+          <a:p>
+            <a:pPr marL="457200" indent="-457200">
+              <a:buFont typeface="+mj-lt"/>
+              <a:buAutoNum type="arabicPeriod"/>
+            </a:pPr>
+            <a:r>
+              <a:rPr lang="zh-TW" altLang="en-US" sz="2800" dirty="0"/>
+              <a:t>使用管理員開啟</a:t>
+            </a:r>
+            <a:r>
+              <a:rPr lang="en-US" altLang="zh-TW" sz="2800" dirty="0"/>
+              <a:t>anaconda </a:t>
+            </a:r>
+            <a:r>
+              <a:rPr lang="en-US" altLang="zh-TW" sz="2800" dirty="0" err="1"/>
+              <a:t>powershell</a:t>
+            </a:r>
+            <a:r>
+              <a:rPr lang="en-US" altLang="zh-TW" sz="2800" dirty="0"/>
+              <a:t> Prompt</a:t>
+            </a:r>
+          </a:p>
+          <a:p>
+            <a:pPr marL="457200" indent="-457200">
+              <a:buFont typeface="+mj-lt"/>
+              <a:buAutoNum type="arabicPeriod"/>
+            </a:pPr>
+            <a:r>
+              <a:rPr lang="en-US" altLang="zh-TW" sz="2800" dirty="0" err="1"/>
+              <a:t>conda</a:t>
+            </a:r>
+            <a:r>
+              <a:rPr lang="en-US" altLang="zh-TW" sz="2800" dirty="0"/>
+              <a:t> install git</a:t>
+            </a:r>
+          </a:p>
+          <a:p>
+            <a:pPr marL="457200" indent="-457200">
+              <a:buFont typeface="+mj-lt"/>
+              <a:buAutoNum type="arabicPeriod"/>
+            </a:pPr>
+            <a:r>
+              <a:rPr lang="zh-TW" altLang="en-US" sz="2800" dirty="0">
+                <a:sym typeface="Wingdings" panose="05000000000000000000" pitchFamily="2" charset="2"/>
+              </a:rPr>
+              <a:t>使用一般</a:t>
+            </a:r>
+            <a:r>
+              <a:rPr lang="en-US" altLang="zh-TW" sz="2800" dirty="0">
+                <a:sym typeface="Wingdings" panose="05000000000000000000" pitchFamily="2" charset="2"/>
+              </a:rPr>
+              <a:t>user</a:t>
+            </a:r>
+            <a:r>
+              <a:rPr lang="zh-TW" altLang="en-US" sz="2800" dirty="0"/>
+              <a:t>開啟</a:t>
+            </a:r>
+            <a:r>
+              <a:rPr lang="en-US" altLang="zh-TW" sz="2800" dirty="0"/>
+              <a:t>anaconda </a:t>
+            </a:r>
+            <a:r>
+              <a:rPr lang="en-US" altLang="zh-TW" sz="2800" dirty="0" err="1"/>
+              <a:t>powershell</a:t>
+            </a:r>
+            <a:r>
+              <a:rPr lang="en-US" altLang="zh-TW" sz="2800" dirty="0"/>
+              <a:t> Prompt</a:t>
+            </a:r>
+          </a:p>
+          <a:p>
+            <a:pPr marL="457200" indent="-457200">
+              <a:buFont typeface="+mj-lt"/>
+              <a:buAutoNum type="arabicPeriod"/>
+            </a:pPr>
+            <a:r>
+              <a:rPr lang="en-US" altLang="zh-TW" sz="2800" dirty="0"/>
+              <a:t>git clone </a:t>
+            </a:r>
+            <a:r>
+              <a:rPr lang="en-US" altLang="zh-TW" sz="2800" u="sng" dirty="0">
+                <a:solidFill>
+                  <a:srgbClr val="92D050"/>
+                </a:solidFill>
+                <a:sym typeface="Wingdings" panose="05000000000000000000" pitchFamily="2" charset="2"/>
+              </a:rPr>
+              <a:t>HTTPS </a:t>
+            </a:r>
+            <a:r>
+              <a:rPr lang="en-US" altLang="zh-TW" sz="2800" u="sng" dirty="0" err="1">
+                <a:solidFill>
+                  <a:srgbClr val="92D050"/>
+                </a:solidFill>
+                <a:sym typeface="Wingdings" panose="05000000000000000000" pitchFamily="2" charset="2"/>
+              </a:rPr>
+              <a:t>url</a:t>
+            </a:r>
+            <a:r>
+              <a:rPr lang="en-US" altLang="zh-TW" sz="2800" u="sng" dirty="0">
+                <a:solidFill>
+                  <a:srgbClr val="92D050"/>
+                </a:solidFill>
+                <a:sym typeface="Wingdings" panose="05000000000000000000" pitchFamily="2" charset="2"/>
+              </a:rPr>
+              <a:t>   </a:t>
+            </a:r>
+            <a:r>
+              <a:rPr lang="zh-TW" altLang="en-US" sz="2800" dirty="0">
+                <a:solidFill>
+                  <a:schemeClr val="tx1"/>
+                </a:solidFill>
+                <a:sym typeface="Wingdings" panose="05000000000000000000" pitchFamily="2" charset="2"/>
+              </a:rPr>
+              <a:t>下載</a:t>
+            </a:r>
+            <a:r>
+              <a:rPr lang="en-US" altLang="zh-TW" sz="2800" dirty="0">
+                <a:solidFill>
+                  <a:schemeClr val="tx1"/>
+                </a:solidFill>
+                <a:sym typeface="Wingdings" panose="05000000000000000000" pitchFamily="2" charset="2"/>
+              </a:rPr>
+              <a:t>2024_NCTU_MI_course</a:t>
+            </a:r>
+          </a:p>
+          <a:p>
+            <a:pPr marL="457200" indent="-457200">
+              <a:buFont typeface="+mj-lt"/>
+              <a:buAutoNum type="arabicPeriod"/>
+            </a:pPr>
+            <a:r>
+              <a:rPr lang="zh-TW" altLang="en-US" sz="2800" dirty="0">
+                <a:sym typeface="Wingdings" panose="05000000000000000000" pitchFamily="2" charset="2"/>
+              </a:rPr>
+              <a:t>進入</a:t>
+            </a:r>
+            <a:r>
+              <a:rPr lang="en-US" altLang="zh-TW" sz="2800" u="sng" dirty="0">
+                <a:solidFill>
+                  <a:srgbClr val="92D050"/>
+                </a:solidFill>
+                <a:sym typeface="Wingdings" panose="05000000000000000000" pitchFamily="2" charset="2"/>
+              </a:rPr>
+              <a:t>2024_NCTU_MI_course</a:t>
+            </a:r>
+            <a:r>
+              <a:rPr lang="zh-TW" altLang="en-US" sz="2800" dirty="0">
+                <a:sym typeface="Wingdings" panose="05000000000000000000" pitchFamily="2" charset="2"/>
+              </a:rPr>
+              <a:t>資料夾</a:t>
+            </a:r>
+            <a:endParaRPr lang="en-US" altLang="zh-TW" sz="2800" dirty="0">
+              <a:sym typeface="Wingdings" panose="05000000000000000000" pitchFamily="2" charset="2"/>
+            </a:endParaRPr>
+          </a:p>
+          <a:p>
+            <a:pPr marL="457200" indent="-457200">
+              <a:buFont typeface="+mj-lt"/>
+              <a:buAutoNum type="arabicPeriod"/>
+            </a:pPr>
+            <a:r>
+              <a:rPr lang="en-US" altLang="zh-TW" sz="2800" dirty="0">
+                <a:sym typeface="Wingdings" panose="05000000000000000000" pitchFamily="2" charset="2"/>
+              </a:rPr>
+              <a:t>git </a:t>
+            </a:r>
+            <a:r>
+              <a:rPr lang="en-US" altLang="zh-TW" sz="2800" dirty="0" err="1">
+                <a:sym typeface="Wingdings" panose="05000000000000000000" pitchFamily="2" charset="2"/>
+              </a:rPr>
+              <a:t>init</a:t>
+            </a:r>
+            <a:r>
+              <a:rPr lang="en-US" altLang="zh-TW" sz="2800">
+                <a:sym typeface="Wingdings" panose="05000000000000000000" pitchFamily="2" charset="2"/>
+              </a:rPr>
+              <a:t> </a:t>
+            </a:r>
+            <a:endParaRPr lang="en-US" altLang="zh-TW" sz="2800" dirty="0">
+              <a:sym typeface="Wingdings" panose="05000000000000000000" pitchFamily="2" charset="2"/>
+            </a:endParaRPr>
+          </a:p>
+          <a:p>
+            <a:pPr marL="457200" indent="-457200">
+              <a:buFont typeface="+mj-lt"/>
+              <a:buAutoNum type="arabicPeriod"/>
+            </a:pPr>
+            <a:r>
+              <a:rPr lang="en-US" altLang="zh-TW" sz="2400" dirty="0">
+                <a:solidFill>
+                  <a:schemeClr val="tx1"/>
+                </a:solidFill>
+              </a:rPr>
+              <a:t>git add </a:t>
+            </a:r>
+            <a:r>
+              <a:rPr lang="en-US" altLang="zh-TW" sz="2400" dirty="0">
+                <a:solidFill>
+                  <a:srgbClr val="92D050"/>
+                </a:solidFill>
+              </a:rPr>
+              <a:t>XX</a:t>
+            </a:r>
+            <a:r>
+              <a:rPr lang="en-US" altLang="zh-TW" sz="2400" dirty="0">
+                <a:solidFill>
+                  <a:schemeClr val="tx1"/>
+                </a:solidFill>
+              </a:rPr>
+              <a:t> (</a:t>
+            </a:r>
+            <a:r>
+              <a:rPr lang="zh-TW" altLang="en-US" sz="2400" dirty="0">
+                <a:solidFill>
+                  <a:schemeClr val="tx1"/>
+                </a:solidFill>
+              </a:rPr>
+              <a:t>檔名、資料</a:t>
+            </a:r>
+            <a:r>
+              <a:rPr lang="en-US" altLang="zh-TW" sz="2400" dirty="0">
+                <a:solidFill>
+                  <a:schemeClr val="tx1"/>
+                </a:solidFill>
+              </a:rPr>
+              <a:t>)</a:t>
+            </a:r>
+            <a:r>
+              <a:rPr lang="zh-TW" altLang="en-US" sz="2400" dirty="0">
+                <a:solidFill>
+                  <a:schemeClr val="tx1"/>
+                </a:solidFill>
+              </a:rPr>
+              <a:t> </a:t>
+            </a:r>
+            <a:endParaRPr lang="en-US" altLang="zh-TW" sz="2400" dirty="0">
+              <a:solidFill>
+                <a:schemeClr val="tx1"/>
+              </a:solidFill>
+            </a:endParaRPr>
+          </a:p>
+          <a:p>
+            <a:pPr marL="457200" indent="-457200">
+              <a:buFont typeface="+mj-lt"/>
+              <a:buAutoNum type="arabicPeriod"/>
+            </a:pPr>
+            <a:r>
+              <a:rPr lang="en-US" altLang="zh-TW" sz="2400" dirty="0">
+                <a:solidFill>
+                  <a:schemeClr val="tx1"/>
+                </a:solidFill>
+                <a:latin typeface="Söhne"/>
+              </a:rPr>
+              <a:t>git</a:t>
+            </a:r>
+            <a:r>
+              <a:rPr lang="en-US" altLang="zh-TW" sz="2800" dirty="0">
+                <a:solidFill>
+                  <a:schemeClr val="tx1"/>
+                </a:solidFill>
+                <a:latin typeface="Söhne"/>
+              </a:rPr>
+              <a:t> </a:t>
+            </a:r>
+            <a:r>
+              <a:rPr lang="en-US" altLang="zh-TW" sz="2400" dirty="0">
+                <a:solidFill>
+                  <a:schemeClr val="tx1"/>
+                </a:solidFill>
+                <a:latin typeface="Söhne"/>
+              </a:rPr>
+              <a:t>commit –m “0312_update”</a:t>
+            </a:r>
+          </a:p>
+          <a:p>
+            <a:pPr marL="457200" indent="-457200">
+              <a:buFont typeface="+mj-lt"/>
+              <a:buAutoNum type="arabicPeriod"/>
+            </a:pPr>
+            <a:r>
+              <a:rPr lang="en-US" altLang="zh-TW" sz="2400" dirty="0">
+                <a:solidFill>
+                  <a:schemeClr val="tx1"/>
+                </a:solidFill>
+                <a:latin typeface="Söhne"/>
+              </a:rPr>
+              <a:t>git config --global </a:t>
+            </a:r>
+            <a:r>
+              <a:rPr lang="en-US" altLang="zh-TW" sz="2400" dirty="0" err="1">
+                <a:solidFill>
+                  <a:schemeClr val="tx1"/>
+                </a:solidFill>
+                <a:latin typeface="Söhne"/>
+              </a:rPr>
+              <a:t>user.email</a:t>
+            </a:r>
+            <a:r>
+              <a:rPr lang="en-US" altLang="zh-TW" sz="2400" dirty="0">
+                <a:solidFill>
+                  <a:schemeClr val="tx1"/>
+                </a:solidFill>
+                <a:latin typeface="Söhne"/>
+              </a:rPr>
+              <a:t> </a:t>
+            </a:r>
+            <a:r>
+              <a:rPr lang="en-US" altLang="zh-TW" sz="2400" dirty="0">
+                <a:solidFill>
+                  <a:srgbClr val="92D050"/>
+                </a:solidFill>
+                <a:latin typeface="Söhne"/>
+                <a:hlinkClick r:id="rId3">
+                  <a:extLst>
+                    <a:ext uri="{A12FA001-AC4F-418D-AE19-62706E023703}">
+                      <ahyp:hlinkClr xmlns:ahyp="http://schemas.microsoft.com/office/drawing/2018/hyperlinkcolor" val="tx"/>
+                    </a:ext>
+                  </a:extLst>
+                </a:hlinkClick>
+              </a:rPr>
+              <a:t>xxx@gmail.com</a:t>
+            </a:r>
+            <a:endParaRPr lang="en-US" altLang="zh-TW" sz="2400" dirty="0">
+              <a:solidFill>
+                <a:schemeClr val="tx1"/>
+              </a:solidFill>
+              <a:latin typeface="Söhne"/>
+            </a:endParaRPr>
+          </a:p>
+          <a:p>
+            <a:pPr marL="457200" indent="-457200">
+              <a:buFont typeface="+mj-lt"/>
+              <a:buAutoNum type="arabicPeriod"/>
+            </a:pPr>
+            <a:r>
+              <a:rPr lang="en-US" altLang="zh-TW" sz="2400" dirty="0">
+                <a:solidFill>
+                  <a:schemeClr val="tx1"/>
+                </a:solidFill>
+                <a:latin typeface="Söhne"/>
+              </a:rPr>
+              <a:t>git confit --global user.name “</a:t>
+            </a:r>
+            <a:r>
+              <a:rPr lang="en-US" altLang="zh-TW" sz="2400" dirty="0" err="1">
+                <a:solidFill>
+                  <a:srgbClr val="92D050"/>
+                </a:solidFill>
+                <a:latin typeface="Söhne"/>
+              </a:rPr>
+              <a:t>wjlee</a:t>
+            </a:r>
+            <a:r>
+              <a:rPr lang="en-US" altLang="zh-TW" sz="2400" dirty="0">
+                <a:solidFill>
+                  <a:schemeClr val="tx1"/>
+                </a:solidFill>
+                <a:latin typeface="Söhne"/>
+              </a:rPr>
+              <a:t>”</a:t>
+            </a:r>
+          </a:p>
+          <a:p>
+            <a:pPr marL="457200" indent="-457200">
+              <a:buFont typeface="+mj-lt"/>
+              <a:buAutoNum type="arabicPeriod"/>
+            </a:pPr>
+            <a:r>
+              <a:rPr lang="en-US" altLang="zh-TW" sz="2400" dirty="0">
+                <a:solidFill>
+                  <a:schemeClr val="tx1"/>
+                </a:solidFill>
+                <a:latin typeface="Söhne"/>
+              </a:rPr>
+              <a:t>git branch –M master</a:t>
+            </a:r>
+          </a:p>
+          <a:p>
+            <a:pPr marL="457200" indent="-457200">
+              <a:buFont typeface="+mj-lt"/>
+              <a:buAutoNum type="arabicPeriod"/>
+            </a:pPr>
+            <a:r>
+              <a:rPr lang="en-US" altLang="zh-TW" sz="2400" strike="sngStrike" dirty="0">
+                <a:solidFill>
+                  <a:schemeClr val="tx1"/>
+                </a:solidFill>
+                <a:latin typeface="Söhne"/>
+              </a:rPr>
+              <a:t>git push</a:t>
+            </a:r>
+            <a:endParaRPr lang="en-US" altLang="zh-TW" sz="2800" strike="sngStrike" dirty="0"/>
+          </a:p>
+          <a:p>
+            <a:endParaRPr lang="zh-TW" altLang="en-US" sz="2800" dirty="0"/>
+          </a:p>
+        </p:txBody>
+      </p:sp>
+    </p:spTree>
+    <p:custDataLst>
+      <p:tags r:id="rId1"/>
+    </p:custDataLst>
+    <p:extLst>
+      <p:ext uri="{BB962C8B-B14F-4D97-AF65-F5344CB8AC3E}">
+        <p14:creationId xmlns:p14="http://schemas.microsoft.com/office/powerpoint/2010/main" val="3931520244"/>
+      </p:ext>
+    </p:extLst>
+  </p:cSld>
+  <p:clrMapOvr>
+    <a:masterClrMapping/>
+  </p:clrMapOvr>
+</p:sld>
+</file>
+
 <file path=ppt/slides/slide2.xml><?xml version="1.0" encoding="utf-8"?>
 <p:sld xmlns:a="http://schemas.openxmlformats.org/drawingml/2006/main" xmlns:r="http://schemas.openxmlformats.org/officeDocument/2006/relationships" xmlns:p="http://schemas.openxmlformats.org/presentationml/2006/main">
   <p:cSld>
@@ -11945,6 +12404,12 @@
     <a:masterClrMapping/>
   </p:clrMapOvr>
 </p:sld>
+</file>
+
+<file path=ppt/tags/tag1.xml><?xml version="1.0" encoding="utf-8"?>
+<p:tagLst xmlns:a="http://schemas.openxmlformats.org/drawingml/2006/main" xmlns:r="http://schemas.openxmlformats.org/officeDocument/2006/relationships" xmlns:p="http://schemas.openxmlformats.org/presentationml/2006/main">
+  <p:tag name="AMA" val="3.0"/>
+</p:tagLst>
 </file>
 
 <file path=ppt/theme/theme1.xml><?xml version="1.0" encoding="utf-8"?>
